--- a/Vite2 项目工程化和原理剖析/Vite Engineering Practice.pptx
+++ b/Vite2 项目工程化和原理剖析/Vite Engineering Practice.pptx
@@ -250,7 +250,7 @@
           <a:p>
             <a:fld id="{4B2ED1C9-51D9-49C4-908A-E7F43EA6FDDE}" type="datetimeFigureOut">
               <a:rPr lang="en-US" smtClean="0"/>
-              <a:t>10/24/21</a:t>
+              <a:t>10/25/21</a:t>
             </a:fld>
             <a:endParaRPr lang="en-US"/>
           </a:p>
@@ -427,7 +427,7 @@
           <a:p>
             <a:fld id="{B70A5308-738F-BD49-BC59-DCFFDAE3D4B0}" type="datetimeFigureOut">
               <a:rPr lang="en-US" smtClean="0"/>
-              <a:t>10/24/21</a:t>
+              <a:t>10/25/21</a:t>
             </a:fld>
             <a:endParaRPr lang="en-US"/>
           </a:p>
@@ -2648,7 +2648,7 @@
           <a:p>
             <a:fld id="{255503C4-C6D8-A642-9B39-5E3987A5A156}" type="datetime1">
               <a:rPr lang="en-MY" smtClean="0"/>
-              <a:t>24/10/2021</a:t>
+              <a:t>25/10/2021</a:t>
             </a:fld>
             <a:endParaRPr lang="en-US"/>
           </a:p>
@@ -6018,7 +6018,7 @@
           <a:p>
             <a:fld id="{33A9C750-F954-7645-9231-0A27BAE57C61}" type="datetime1">
               <a:rPr lang="en-MY" smtClean="0"/>
-              <a:t>24/10/2021</a:t>
+              <a:t>25/10/2021</a:t>
             </a:fld>
             <a:endParaRPr lang="en-US"/>
           </a:p>
@@ -6156,7 +6156,7 @@
           <a:p>
             <a:fld id="{A61BA16D-BE67-AF46-A231-68D9FD9B7C84}" type="datetime1">
               <a:rPr lang="en-MY" smtClean="0"/>
-              <a:t>24/10/2021</a:t>
+              <a:t>25/10/2021</a:t>
             </a:fld>
             <a:endParaRPr lang="en-US"/>
           </a:p>
@@ -6327,7 +6327,7 @@
           <a:p>
             <a:fld id="{06F7FE41-DDBC-FA45-86A3-15DB0DD3B14B}" type="datetime1">
               <a:rPr lang="en-MY" smtClean="0"/>
-              <a:t>24/10/2021</a:t>
+              <a:t>25/10/2021</a:t>
             </a:fld>
             <a:endParaRPr lang="en-US"/>
           </a:p>
@@ -6543,7 +6543,7 @@
           <a:p>
             <a:fld id="{7CD82451-46C1-F748-881D-B3D15D6C97C9}" type="datetime1">
               <a:rPr lang="en-MY" smtClean="0"/>
-              <a:t>24/10/2021</a:t>
+              <a:t>25/10/2021</a:t>
             </a:fld>
             <a:endParaRPr lang="en-US"/>
           </a:p>
@@ -6845,7 +6845,7 @@
           <a:p>
             <a:fld id="{377B0467-80ED-3943-801E-6C8D053C8261}" type="datetime1">
               <a:rPr lang="en-MY" smtClean="0"/>
-              <a:t>24/10/2021</a:t>
+              <a:t>25/10/2021</a:t>
             </a:fld>
             <a:endParaRPr lang="en-US"/>
           </a:p>
@@ -7124,7 +7124,7 @@
           <a:p>
             <a:fld id="{ADFCD076-8DE9-3B49-9578-8EFC219A213B}" type="datetime1">
               <a:rPr lang="en-MY" smtClean="0"/>
-              <a:t>24/10/2021</a:t>
+              <a:t>25/10/2021</a:t>
             </a:fld>
             <a:endParaRPr lang="en-US"/>
           </a:p>
@@ -7309,7 +7309,7 @@
           <a:p>
             <a:fld id="{3B456F68-D284-044B-9FD9-070680E65475}" type="datetime1">
               <a:rPr lang="en-MY" smtClean="0"/>
-              <a:t>24/10/2021</a:t>
+              <a:t>25/10/2021</a:t>
             </a:fld>
             <a:endParaRPr lang="en-US"/>
           </a:p>
@@ -7504,7 +7504,7 @@
           <a:p>
             <a:fld id="{7F6D393E-951C-4F48-84DD-538C93AD3963}" type="datetime1">
               <a:rPr lang="en-MY" smtClean="0"/>
-              <a:t>24/10/2021</a:t>
+              <a:t>25/10/2021</a:t>
             </a:fld>
             <a:endParaRPr lang="en-US"/>
           </a:p>
@@ -7947,7 +7947,7 @@
           <a:p>
             <a:fld id="{832E7558-4BF9-8941-A730-23D8795A51C1}" type="datetime1">
               <a:rPr lang="en-MY" smtClean="0"/>
-              <a:t>24/10/2021</a:t>
+              <a:t>25/10/2021</a:t>
             </a:fld>
             <a:endParaRPr lang="en-US"/>
           </a:p>
@@ -8337,7 +8337,7 @@
             <a:fld id="{9FA63582-9727-3447-8DB6-D5BD7B554CA8}" type="datetime1">
               <a:rPr lang="en-MY" smtClean="0"/>
               <a:pPr/>
-              <a:t>24/10/2021</a:t>
+              <a:t>25/10/2021</a:t>
             </a:fld>
             <a:endParaRPr lang="en-US"/>
           </a:p>
@@ -8611,7 +8611,7 @@
           <a:p>
             <a:fld id="{255503C4-C6D8-A642-9B39-5E3987A5A156}" type="datetime1">
               <a:rPr lang="en-MY" smtClean="0"/>
-              <a:t>24/10/2021</a:t>
+              <a:t>25/10/2021</a:t>
             </a:fld>
             <a:endParaRPr lang="en-US"/>
           </a:p>
@@ -8749,7 +8749,7 @@
           <a:p>
             <a:fld id="{EB0D8386-4B96-514E-BA01-DA6E59DFCF94}" type="datetime1">
               <a:rPr lang="en-MY" smtClean="0"/>
-              <a:t>24/10/2021</a:t>
+              <a:t>25/10/2021</a:t>
             </a:fld>
             <a:endParaRPr lang="en-US"/>
           </a:p>
@@ -9014,7 +9014,7 @@
           <a:p>
             <a:fld id="{7435CF13-9EC7-9249-92DB-6C1E566AF862}" type="datetime1">
               <a:rPr lang="en-MY" smtClean="0"/>
-              <a:t>24/10/2021</a:t>
+              <a:t>25/10/2021</a:t>
             </a:fld>
             <a:endParaRPr lang="en-US"/>
           </a:p>
@@ -9311,7 +9311,7 @@
           <a:p>
             <a:fld id="{40B298CC-C22C-3342-92AC-DBFB2B46B834}" type="datetime1">
               <a:rPr lang="en-MY" smtClean="0"/>
-              <a:t>24/10/2021</a:t>
+              <a:t>25/10/2021</a:t>
             </a:fld>
             <a:endParaRPr lang="en-US"/>
           </a:p>
@@ -9573,7 +9573,7 @@
           <a:p>
             <a:fld id="{06F7FE41-DDBC-FA45-86A3-15DB0DD3B14B}" type="datetime1">
               <a:rPr lang="en-MY" smtClean="0"/>
-              <a:t>24/10/2021</a:t>
+              <a:t>25/10/2021</a:t>
             </a:fld>
             <a:endParaRPr lang="en-US"/>
           </a:p>
@@ -9913,7 +9913,7 @@
           <a:p>
             <a:fld id="{9A033C39-28A9-ED4F-8389-4F0F01E12FA6}" type="datetime1">
               <a:rPr lang="en-MY" smtClean="0"/>
-              <a:t>24/10/2021</a:t>
+              <a:t>25/10/2021</a:t>
             </a:fld>
             <a:endParaRPr lang="en-US"/>
           </a:p>
@@ -15579,7 +15579,7 @@
             </a:r>
             <a:r>
               <a:rPr lang="en-US" altLang="zh-CN" dirty="0"/>
-              <a:t> practice in front-end engineering with you. Your comments and comments are welcome.</a:t>
+              <a:t> practice in front-end engineering with you. Your comments are welcome.</a:t>
             </a:r>
           </a:p>
           <a:p>
